--- a/docs/Events/CloudSkillsChallenge/slide.pptx
+++ b/docs/Events/CloudSkillsChallenge/slide.pptx
@@ -4105,7 +4105,7 @@
             </a:pPr>
             <a:r>
               <a:rPr lang="en-US" sz="2000" dirty="0"/>
-              <a:t>Complete web-based self paced exercises.</a:t>
+              <a:t>Complete web-based self-paced exercises.</a:t>
             </a:r>
           </a:p>
           <a:p>
@@ -4748,25 +4748,6 @@
 </file>
 
 <file path=customXml/item1.xml><?xml version="1.0" encoding="utf-8"?>
-<p:properties xmlns:p="http://schemas.microsoft.com/office/2006/metadata/properties" xmlns:xsi="http://www.w3.org/2001/XMLSchema-instance" xmlns:pc="http://schemas.microsoft.com/office/infopath/2007/PartnerControls">
-  <documentManagement>
-    <_ip_UnifiedCompliancePolicyUIAction xmlns="http://schemas.microsoft.com/sharepoint/v3" xsi:nil="true"/>
-    <_ip_UnifiedCompliancePolicyProperties xmlns="http://schemas.microsoft.com/sharepoint/v3" xsi:nil="true"/>
-    <MediaServiceKeyPoints xmlns="224a1828-44e4-4be9-ad1d-ff0336fe2da1" xsi:nil="true"/>
-  </documentManagement>
-</p:properties>
-</file>
-
-<file path=customXml/item2.xml><?xml version="1.0" encoding="utf-8"?>
-<?mso-contentType ?>
-<FormTemplates xmlns="http://schemas.microsoft.com/sharepoint/v3/contenttype/forms">
-  <Display>DocumentLibraryForm</Display>
-  <Edit>DocumentLibraryForm</Edit>
-  <New>DocumentLibraryForm</New>
-</FormTemplates>
-</file>
-
-<file path=customXml/item3.xml><?xml version="1.0" encoding="utf-8"?>
 <ct:contentTypeSchema xmlns:ct="http://schemas.microsoft.com/office/2006/metadata/contentType" xmlns:ma="http://schemas.microsoft.com/office/2006/metadata/properties/metaAttributes" ct:_="" ma:_="" ma:contentTypeName="Document" ma:contentTypeID="0x0101000A1921E66C271E43923D1528DCB374C4" ma:contentTypeVersion="16" ma:contentTypeDescription="Create a new document." ma:contentTypeScope="" ma:versionID="1a89b2dc2cc7d774f33ad74fe8b62588">
   <xsd:schema xmlns:xsd="http://www.w3.org/2001/XMLSchema" xmlns:xs="http://www.w3.org/2001/XMLSchema" xmlns:p="http://schemas.microsoft.com/office/2006/metadata/properties" xmlns:ns1="http://schemas.microsoft.com/sharepoint/v3" xmlns:ns2="224a1828-44e4-4be9-ad1d-ff0336fe2da1" xmlns:ns3="c97e5bc7-3670-462c-93ff-e87fdb8c7c15" targetNamespace="http://schemas.microsoft.com/office/2006/metadata/properties" ma:root="true" ma:fieldsID="9e9c59b44038bbb8c8697f255d866d84" ns1:_="" ns2:_="" ns3:_="">
     <xsd:import namespace="http://schemas.microsoft.com/sharepoint/v3"/>
@@ -5012,26 +4993,26 @@
 </ct:contentTypeSchema>
 </file>
 
-<file path=customXml/itemProps1.xml><?xml version="1.0" encoding="utf-8"?>
-<ds:datastoreItem xmlns:ds="http://schemas.openxmlformats.org/officeDocument/2006/customXml" ds:itemID="{2E683910-6BB8-42E3-8ECE-927B6C229315}">
-  <ds:schemaRefs>
-    <ds:schemaRef ds:uri="http://schemas.microsoft.com/office/2006/metadata/properties"/>
-    <ds:schemaRef ds:uri="http://schemas.microsoft.com/office/infopath/2007/PartnerControls"/>
-    <ds:schemaRef ds:uri="http://schemas.microsoft.com/sharepoint/v3"/>
-    <ds:schemaRef ds:uri="224a1828-44e4-4be9-ad1d-ff0336fe2da1"/>
-  </ds:schemaRefs>
-</ds:datastoreItem>
+<file path=customXml/item2.xml><?xml version="1.0" encoding="utf-8"?>
+<?mso-contentType ?>
+<FormTemplates xmlns="http://schemas.microsoft.com/sharepoint/v3/contenttype/forms">
+  <Display>DocumentLibraryForm</Display>
+  <Edit>DocumentLibraryForm</Edit>
+  <New>DocumentLibraryForm</New>
+</FormTemplates>
 </file>
 
-<file path=customXml/itemProps2.xml><?xml version="1.0" encoding="utf-8"?>
-<ds:datastoreItem xmlns:ds="http://schemas.openxmlformats.org/officeDocument/2006/customXml" ds:itemID="{01CF97A6-BE08-44D7-9D21-4A2FBD9DC8E5}">
-  <ds:schemaRefs>
-    <ds:schemaRef ds:uri="http://schemas.microsoft.com/sharepoint/v3/contenttype/forms"/>
-  </ds:schemaRefs>
-</ds:datastoreItem>
+<file path=customXml/item3.xml><?xml version="1.0" encoding="utf-8"?>
+<p:properties xmlns:p="http://schemas.microsoft.com/office/2006/metadata/properties" xmlns:xsi="http://www.w3.org/2001/XMLSchema-instance" xmlns:pc="http://schemas.microsoft.com/office/infopath/2007/PartnerControls">
+  <documentManagement>
+    <_ip_UnifiedCompliancePolicyUIAction xmlns="http://schemas.microsoft.com/sharepoint/v3" xsi:nil="true"/>
+    <_ip_UnifiedCompliancePolicyProperties xmlns="http://schemas.microsoft.com/sharepoint/v3" xsi:nil="true"/>
+    <MediaServiceKeyPoints xmlns="224a1828-44e4-4be9-ad1d-ff0336fe2da1" xsi:nil="true"/>
+  </documentManagement>
+</p:properties>
 </file>
 
-<file path=customXml/itemProps3.xml><?xml version="1.0" encoding="utf-8"?>
+<file path=customXml/itemProps1.xml><?xml version="1.0" encoding="utf-8"?>
 <ds:datastoreItem xmlns:ds="http://schemas.openxmlformats.org/officeDocument/2006/customXml" ds:itemID="{730028EE-E7C6-453C-975A-7B6D66D62E54}">
   <ds:schemaRefs>
     <ds:schemaRef ds:uri="http://schemas.microsoft.com/office/2006/metadata/contentType"/>
@@ -5049,4 +5030,23 @@
     <ds:schemaRef ds:uri="http://schemas.microsoft.com/internal/obd"/>
   </ds:schemaRefs>
 </ds:datastoreItem>
+</file>
+
+<file path=customXml/itemProps2.xml><?xml version="1.0" encoding="utf-8"?>
+<ds:datastoreItem xmlns:ds="http://schemas.openxmlformats.org/officeDocument/2006/customXml" ds:itemID="{01CF97A6-BE08-44D7-9D21-4A2FBD9DC8E5}">
+  <ds:schemaRefs>
+    <ds:schemaRef ds:uri="http://schemas.microsoft.com/sharepoint/v3/contenttype/forms"/>
+  </ds:schemaRefs>
+</ds:datastoreItem>
+</file>
+
+<file path=customXml/itemProps3.xml><?xml version="1.0" encoding="utf-8"?>
+<ds:datastoreItem xmlns:ds="http://schemas.openxmlformats.org/officeDocument/2006/customXml" ds:itemID="{2E683910-6BB8-42E3-8ECE-927B6C229315}">
+  <ds:schemaRefs>
+    <ds:schemaRef ds:uri="http://schemas.microsoft.com/office/2006/metadata/properties"/>
+    <ds:schemaRef ds:uri="http://schemas.microsoft.com/office/infopath/2007/PartnerControls"/>
+    <ds:schemaRef ds:uri="http://schemas.microsoft.com/sharepoint/v3"/>
+    <ds:schemaRef ds:uri="224a1828-44e4-4be9-ad1d-ff0336fe2da1"/>
+  </ds:schemaRefs>
+</ds:datastoreItem>
 </file>